--- a/ProyectoFinalLogicaDeProgramacion.pptx
+++ b/ProyectoFinalLogicaDeProgramacion.pptx
@@ -7656,7 +7656,7 @@
         </p:nvSpPr>
         <p:spPr>
           <a:xfrm>
-            <a:off x="990000" y="1089025"/>
+            <a:off x="809784" y="1356047"/>
             <a:ext cx="4075200" cy="1532951"/>
           </a:xfrm>
         </p:spPr>
@@ -8518,10 +8518,10 @@
       </p:sp>
       <p:pic>
         <p:nvPicPr>
-          <p:cNvPr id="9" name="Imagen 8">
+          <p:cNvPr id="17" name="Imagen 16">
             <a:extLst>
               <a:ext uri="{FF2B5EF4-FFF2-40B4-BE49-F238E27FC236}">
-                <a16:creationId xmlns:a16="http://schemas.microsoft.com/office/drawing/2014/main" id="{3387F279-0DFB-4971-99C5-139944A6F6C6}"/>
+                <a16:creationId xmlns:a16="http://schemas.microsoft.com/office/drawing/2014/main" id="{E91BF317-0AF1-4710-B94F-B9E6C0709A46}"/>
               </a:ext>
             </a:extLst>
           </p:cNvPr>
@@ -8538,8 +8538,8 @@
         </p:blipFill>
         <p:spPr>
           <a:xfrm>
-            <a:off x="6233227" y="608736"/>
-            <a:ext cx="5887569" cy="4174695"/>
+            <a:off x="6121187" y="743173"/>
+            <a:ext cx="5989209" cy="4193729"/>
           </a:xfrm>
           <a:prstGeom prst="rect">
             <a:avLst/>
